--- a/Documentation/Project Staker.pptx
+++ b/Documentation/Project Staker.pptx
@@ -125,6 +125,33 @@
     </a:lvl9pPr>
   </p:defaultTextStyle>
   <p:extLst>
+    <p:ext uri="{521415D9-36F7-43E2-AB2F-B90AF26B5E84}">
+      <p14:sectionLst xmlns:p14="http://schemas.microsoft.com/office/powerpoint/2010/main">
+        <p14:section name="Default Section" id="{5DFFF38B-87FE-47CD-B248-F02BAB617188}">
+          <p14:sldIdLst>
+            <p14:sldId id="256"/>
+            <p14:sldId id="271"/>
+          </p14:sldIdLst>
+        </p14:section>
+        <p14:section name="Untitled Section" id="{3C97218F-B226-4CC7-9B84-F24CC565293E}">
+          <p14:sldIdLst>
+            <p14:sldId id="257"/>
+            <p14:sldId id="272"/>
+            <p14:sldId id="273"/>
+            <p14:sldId id="274"/>
+            <p14:sldId id="270"/>
+            <p14:sldId id="276"/>
+            <p14:sldId id="262"/>
+            <p14:sldId id="263"/>
+            <p14:sldId id="275"/>
+            <p14:sldId id="265"/>
+            <p14:sldId id="279"/>
+            <p14:sldId id="278"/>
+            <p14:sldId id="280"/>
+          </p14:sldIdLst>
+        </p14:section>
+      </p14:sectionLst>
+    </p:ext>
     <p:ext uri="{EFAFB233-063F-42B5-8137-9DF3F51BA10A}">
       <p15:sldGuideLst xmlns:p15="http://schemas.microsoft.com/office/powerpoint/2012/main">
         <p15:guide id="1" pos="3839" userDrawn="1">
@@ -281,6 +308,11 @@
                 </a:outerShdw>
               </a:effectLst>
             </c:spPr>
+            <c:extLst>
+              <c:ext xmlns:c16="http://schemas.microsoft.com/office/drawing/2014/chart" uri="{C3380CC4-5D6E-409C-BE32-E72D297353CC}">
+                <c16:uniqueId val="{00000001-B3E6-469C-A5B9-391E23966D07}"/>
+              </c:ext>
+            </c:extLst>
           </c:dPt>
           <c:dPt>
             <c:idx val="1"/>
@@ -300,6 +332,11 @@
                 </a:outerShdw>
               </a:effectLst>
             </c:spPr>
+            <c:extLst>
+              <c:ext xmlns:c16="http://schemas.microsoft.com/office/drawing/2014/chart" uri="{C3380CC4-5D6E-409C-BE32-E72D297353CC}">
+                <c16:uniqueId val="{00000003-B3E6-469C-A5B9-391E23966D07}"/>
+              </c:ext>
+            </c:extLst>
           </c:dPt>
           <c:dPt>
             <c:idx val="2"/>
@@ -319,6 +356,11 @@
                 </a:outerShdw>
               </a:effectLst>
             </c:spPr>
+            <c:extLst>
+              <c:ext xmlns:c16="http://schemas.microsoft.com/office/drawing/2014/chart" uri="{C3380CC4-5D6E-409C-BE32-E72D297353CC}">
+                <c16:uniqueId val="{00000005-B3E6-469C-A5B9-391E23966D07}"/>
+              </c:ext>
+            </c:extLst>
           </c:dPt>
           <c:dPt>
             <c:idx val="3"/>
@@ -338,6 +380,11 @@
                 </a:outerShdw>
               </a:effectLst>
             </c:spPr>
+            <c:extLst>
+              <c:ext xmlns:c16="http://schemas.microsoft.com/office/drawing/2014/chart" uri="{C3380CC4-5D6E-409C-BE32-E72D297353CC}">
+                <c16:uniqueId val="{00000007-B3E6-469C-A5B9-391E23966D07}"/>
+              </c:ext>
+            </c:extLst>
           </c:dPt>
           <c:dPt>
             <c:idx val="4"/>
@@ -357,6 +404,11 @@
                 </a:outerShdw>
               </a:effectLst>
             </c:spPr>
+            <c:extLst>
+              <c:ext xmlns:c16="http://schemas.microsoft.com/office/drawing/2014/chart" uri="{C3380CC4-5D6E-409C-BE32-E72D297353CC}">
+                <c16:uniqueId val="{00000009-B3E6-469C-A5B9-391E23966D07}"/>
+              </c:ext>
+            </c:extLst>
           </c:dPt>
           <c:dLbls>
             <c:spPr>
@@ -3890,6 +3942,13 @@
         </dgm:presLayoutVars>
       </dgm:prSet>
       <dgm:spPr/>
+      <dgm:t>
+        <a:bodyPr/>
+        <a:lstStyle/>
+        <a:p>
+          <a:endParaRPr lang="en-US"/>
+        </a:p>
+      </dgm:t>
     </dgm:pt>
     <dgm:pt modelId="{0DE62E91-1335-42B7-9405-868A38C06712}" type="pres">
       <dgm:prSet presAssocID="{18538DC2-C894-4953-848E-E83624AD07F8}" presName="compNode" presStyleCnt="0"/>
@@ -3917,6 +3976,13 @@
     <dgm:pt modelId="{48B666B6-BF9D-40D7-9E4C-3767EE274724}" type="pres">
       <dgm:prSet presAssocID="{5E42E0E1-51AE-49E0-B152-584390110410}" presName="sibTrans" presStyleLbl="bgSibTrans2D1" presStyleIdx="0" presStyleCnt="8"/>
       <dgm:spPr/>
+      <dgm:t>
+        <a:bodyPr/>
+        <a:lstStyle/>
+        <a:p>
+          <a:endParaRPr lang="en-US"/>
+        </a:p>
+      </dgm:t>
     </dgm:pt>
     <dgm:pt modelId="{A257E62A-F73D-41C3-81F9-F0479EF9C618}" type="pres">
       <dgm:prSet presAssocID="{C6F47EB9-C25F-408F-9868-59AC5611EC8A}" presName="compNode" presStyleCnt="0"/>
@@ -3944,6 +4010,13 @@
     <dgm:pt modelId="{0259420A-4DA3-4DB1-9EA8-A01965C0A862}" type="pres">
       <dgm:prSet presAssocID="{B92DFEDE-8B6D-4430-9571-BEE58758A8EF}" presName="sibTrans" presStyleLbl="bgSibTrans2D1" presStyleIdx="1" presStyleCnt="8"/>
       <dgm:spPr/>
+      <dgm:t>
+        <a:bodyPr/>
+        <a:lstStyle/>
+        <a:p>
+          <a:endParaRPr lang="en-US"/>
+        </a:p>
+      </dgm:t>
     </dgm:pt>
     <dgm:pt modelId="{116C23E5-9EAD-4530-A6B5-030009CFE806}" type="pres">
       <dgm:prSet presAssocID="{C374E17A-2213-405D-8EAC-6E46390D4025}" presName="compNode" presStyleCnt="0"/>
@@ -3971,6 +4044,13 @@
     <dgm:pt modelId="{3CE3FCD5-5D4B-4B68-A770-44DA9AF8B810}" type="pres">
       <dgm:prSet presAssocID="{C30B6B97-942B-40A9-96E8-4F224729B03E}" presName="sibTrans" presStyleLbl="bgSibTrans2D1" presStyleIdx="2" presStyleCnt="8"/>
       <dgm:spPr/>
+      <dgm:t>
+        <a:bodyPr/>
+        <a:lstStyle/>
+        <a:p>
+          <a:endParaRPr lang="en-US"/>
+        </a:p>
+      </dgm:t>
     </dgm:pt>
     <dgm:pt modelId="{A08CD515-AD64-4801-B62B-BF4BA431E6FE}" type="pres">
       <dgm:prSet presAssocID="{C64C7666-20AD-4ED3-A3D9-B12D9D7FD2D7}" presName="compNode" presStyleCnt="0"/>
@@ -3998,6 +4078,13 @@
     <dgm:pt modelId="{24B43C74-06D8-4ECC-BB02-EEB34A554E7F}" type="pres">
       <dgm:prSet presAssocID="{511FC892-1F86-4480-9324-312748E0EC71}" presName="sibTrans" presStyleLbl="bgSibTrans2D1" presStyleIdx="3" presStyleCnt="8"/>
       <dgm:spPr/>
+      <dgm:t>
+        <a:bodyPr/>
+        <a:lstStyle/>
+        <a:p>
+          <a:endParaRPr lang="en-US"/>
+        </a:p>
+      </dgm:t>
     </dgm:pt>
     <dgm:pt modelId="{630B6FEB-D084-4615-85FB-50F9744FD4CC}" type="pres">
       <dgm:prSet presAssocID="{F01E75CC-6F0C-48E9-BC98-2D660F5C8970}" presName="compNode" presStyleCnt="0"/>
@@ -4025,6 +4112,13 @@
     <dgm:pt modelId="{67C680A6-D2C6-4014-9A27-32F5E843FC92}" type="pres">
       <dgm:prSet presAssocID="{18E72E05-2C59-44E2-94D5-CECFF395DFB6}" presName="sibTrans" presStyleLbl="bgSibTrans2D1" presStyleIdx="4" presStyleCnt="8"/>
       <dgm:spPr/>
+      <dgm:t>
+        <a:bodyPr/>
+        <a:lstStyle/>
+        <a:p>
+          <a:endParaRPr lang="en-US"/>
+        </a:p>
+      </dgm:t>
     </dgm:pt>
     <dgm:pt modelId="{A1E17DBD-747A-462B-912B-5D69ABA0B7CD}" type="pres">
       <dgm:prSet presAssocID="{DCC97C07-2C47-42AE-A359-AF4BDB7A88B3}" presName="compNode" presStyleCnt="0"/>
@@ -4041,10 +4135,24 @@
         </dgm:presLayoutVars>
       </dgm:prSet>
       <dgm:spPr/>
+      <dgm:t>
+        <a:bodyPr/>
+        <a:lstStyle/>
+        <a:p>
+          <a:endParaRPr lang="en-US"/>
+        </a:p>
+      </dgm:t>
     </dgm:pt>
     <dgm:pt modelId="{13CC1E15-6368-48FB-BC45-4681F4217BCA}" type="pres">
       <dgm:prSet presAssocID="{36269849-7C88-497E-B897-EDF0EEF83AC0}" presName="sibTrans" presStyleLbl="bgSibTrans2D1" presStyleIdx="5" presStyleCnt="8"/>
       <dgm:spPr/>
+      <dgm:t>
+        <a:bodyPr/>
+        <a:lstStyle/>
+        <a:p>
+          <a:endParaRPr lang="en-US"/>
+        </a:p>
+      </dgm:t>
     </dgm:pt>
     <dgm:pt modelId="{634DCC26-4321-4AB5-8A7F-0637A1C4B496}" type="pres">
       <dgm:prSet presAssocID="{8908F4BE-20B6-4D1B-B694-1A8505B2A309}" presName="compNode" presStyleCnt="0"/>
@@ -4061,10 +4169,24 @@
         </dgm:presLayoutVars>
       </dgm:prSet>
       <dgm:spPr/>
+      <dgm:t>
+        <a:bodyPr/>
+        <a:lstStyle/>
+        <a:p>
+          <a:endParaRPr lang="en-US"/>
+        </a:p>
+      </dgm:t>
     </dgm:pt>
     <dgm:pt modelId="{4FF27608-EAB6-4B5D-98D1-94E8F9138262}" type="pres">
       <dgm:prSet presAssocID="{B9298B24-AA5D-4E44-AED4-FCF90F44A415}" presName="sibTrans" presStyleLbl="bgSibTrans2D1" presStyleIdx="6" presStyleCnt="8"/>
       <dgm:spPr/>
+      <dgm:t>
+        <a:bodyPr/>
+        <a:lstStyle/>
+        <a:p>
+          <a:endParaRPr lang="en-US"/>
+        </a:p>
+      </dgm:t>
     </dgm:pt>
     <dgm:pt modelId="{77B0EDD6-4B68-4B97-937B-B02566EA849E}" type="pres">
       <dgm:prSet presAssocID="{A6464156-74B9-4540-943B-C614F3F3B090}" presName="compNode" presStyleCnt="0"/>
@@ -4081,10 +4203,24 @@
         </dgm:presLayoutVars>
       </dgm:prSet>
       <dgm:spPr/>
+      <dgm:t>
+        <a:bodyPr/>
+        <a:lstStyle/>
+        <a:p>
+          <a:endParaRPr lang="en-US"/>
+        </a:p>
+      </dgm:t>
     </dgm:pt>
     <dgm:pt modelId="{0103E0AD-9321-415E-B3E5-7210EF2BA837}" type="pres">
       <dgm:prSet presAssocID="{8E523501-E4A0-441E-A2C7-307E11A7C7DA}" presName="sibTrans" presStyleLbl="bgSibTrans2D1" presStyleIdx="7" presStyleCnt="8"/>
       <dgm:spPr/>
+      <dgm:t>
+        <a:bodyPr/>
+        <a:lstStyle/>
+        <a:p>
+          <a:endParaRPr lang="en-US"/>
+        </a:p>
+      </dgm:t>
     </dgm:pt>
     <dgm:pt modelId="{271C3992-F259-47B3-B7D2-9BBE95D92938}" type="pres">
       <dgm:prSet presAssocID="{D023D14A-F32A-44C0-B8D2-0937FCD881AC}" presName="compNode" presStyleCnt="0"/>
@@ -4101,6 +4237,13 @@
         </dgm:presLayoutVars>
       </dgm:prSet>
       <dgm:spPr/>
+      <dgm:t>
+        <a:bodyPr/>
+        <a:lstStyle/>
+        <a:p>
+          <a:endParaRPr lang="en-US"/>
+        </a:p>
+      </dgm:t>
     </dgm:pt>
   </dgm:ptLst>
   <dgm:cxnLst>
@@ -4108,8 +4251,8 @@
     <dgm:cxn modelId="{0D64A2C0-2453-4F74-97B1-FFA72F174DEF}" type="presOf" srcId="{B92DFEDE-8B6D-4430-9571-BEE58758A8EF}" destId="{0259420A-4DA3-4DB1-9EA8-A01965C0A862}" srcOrd="0" destOrd="0" presId="urn:microsoft.com/office/officeart/2005/8/layout/bProcess4"/>
     <dgm:cxn modelId="{07226CE9-5B69-41A6-89BC-3A90F067ACA7}" type="presOf" srcId="{F01E75CC-6F0C-48E9-BC98-2D660F5C8970}" destId="{A182E613-726D-42A3-87A3-49118DC01B79}" srcOrd="0" destOrd="0" presId="urn:microsoft.com/office/officeart/2005/8/layout/bProcess4"/>
     <dgm:cxn modelId="{63735CEB-4FC3-4E68-8F8F-3062B443A02C}" srcId="{E6C904D6-26B6-4C42-8DC3-3F7167254542}" destId="{DCC97C07-2C47-42AE-A359-AF4BDB7A88B3}" srcOrd="5" destOrd="0" parTransId="{5E71DE93-BBC9-41F8-A90B-DA6545317C0C}" sibTransId="{36269849-7C88-497E-B897-EDF0EEF83AC0}"/>
+    <dgm:cxn modelId="{9B29EDFE-1769-43ED-AF74-81C60EFFBB6F}" type="presOf" srcId="{E6C904D6-26B6-4C42-8DC3-3F7167254542}" destId="{77FBD97F-B0F0-4B00-A773-CE6C4B346595}" srcOrd="0" destOrd="0" presId="urn:microsoft.com/office/officeart/2005/8/layout/bProcess4"/>
     <dgm:cxn modelId="{39DE1D3D-3570-4541-89E1-40EF986BD719}" type="presOf" srcId="{511FC892-1F86-4480-9324-312748E0EC71}" destId="{24B43C74-06D8-4ECC-BB02-EEB34A554E7F}" srcOrd="0" destOrd="0" presId="urn:microsoft.com/office/officeart/2005/8/layout/bProcess4"/>
-    <dgm:cxn modelId="{9B29EDFE-1769-43ED-AF74-81C60EFFBB6F}" type="presOf" srcId="{E6C904D6-26B6-4C42-8DC3-3F7167254542}" destId="{77FBD97F-B0F0-4B00-A773-CE6C4B346595}" srcOrd="0" destOrd="0" presId="urn:microsoft.com/office/officeart/2005/8/layout/bProcess4"/>
     <dgm:cxn modelId="{DE049DC1-81DF-4D1A-92EE-0F0F250E515B}" srcId="{E6C904D6-26B6-4C42-8DC3-3F7167254542}" destId="{C6F47EB9-C25F-408F-9868-59AC5611EC8A}" srcOrd="1" destOrd="0" parTransId="{326D961F-D68B-4E60-91DA-90FF57110BCB}" sibTransId="{B92DFEDE-8B6D-4430-9571-BEE58758A8EF}"/>
     <dgm:cxn modelId="{DF0D2BE6-7EA1-4461-B992-E2312A118E5E}" type="presOf" srcId="{36269849-7C88-497E-B897-EDF0EEF83AC0}" destId="{13CC1E15-6368-48FB-BC45-4681F4217BCA}" srcOrd="0" destOrd="0" presId="urn:microsoft.com/office/officeart/2005/8/layout/bProcess4"/>
     <dgm:cxn modelId="{5E2725D5-9706-4DF7-8313-1DF92390A9D8}" type="presOf" srcId="{18E72E05-2C59-44E2-94D5-CECFF395DFB6}" destId="{67C680A6-D2C6-4014-9A27-32F5E843FC92}" srcOrd="0" destOrd="0" presId="urn:microsoft.com/office/officeart/2005/8/layout/bProcess4"/>
@@ -4121,8 +4264,8 @@
     <dgm:cxn modelId="{5744E50A-13B6-423C-BA26-A2A4471D8905}" srcId="{E6C904D6-26B6-4C42-8DC3-3F7167254542}" destId="{18538DC2-C894-4953-848E-E83624AD07F8}" srcOrd="0" destOrd="0" parTransId="{92FF1B53-AEF1-4DB0-A785-C7DC369A60B8}" sibTransId="{5E42E0E1-51AE-49E0-B152-584390110410}"/>
     <dgm:cxn modelId="{5210D35F-6EC2-431C-8BAD-D5CBF1FF2E54}" type="presOf" srcId="{A6464156-74B9-4540-943B-C614F3F3B090}" destId="{65AC36B3-54E9-4D9B-804A-1060BE4BF09C}" srcOrd="0" destOrd="0" presId="urn:microsoft.com/office/officeart/2005/8/layout/bProcess4"/>
     <dgm:cxn modelId="{073F1A83-D3EF-4BB4-A76E-CAF575524383}" type="presOf" srcId="{DCC97C07-2C47-42AE-A359-AF4BDB7A88B3}" destId="{98DFE752-0CCD-4C00-88E8-C8793EF202D6}" srcOrd="0" destOrd="0" presId="urn:microsoft.com/office/officeart/2005/8/layout/bProcess4"/>
+    <dgm:cxn modelId="{46942A2D-2E0D-41DF-A133-A6B439CD2CFF}" type="presOf" srcId="{8908F4BE-20B6-4D1B-B694-1A8505B2A309}" destId="{DE1FE335-1929-4EEB-9BF1-88ED0E8D2BB4}" srcOrd="0" destOrd="0" presId="urn:microsoft.com/office/officeart/2005/8/layout/bProcess4"/>
     <dgm:cxn modelId="{10A3FBFC-89BC-4EE9-A902-671A60ABE79D}" type="presOf" srcId="{C64C7666-20AD-4ED3-A3D9-B12D9D7FD2D7}" destId="{0DF93158-1D37-4BDB-A31E-2963B2777853}" srcOrd="0" destOrd="0" presId="urn:microsoft.com/office/officeart/2005/8/layout/bProcess4"/>
-    <dgm:cxn modelId="{46942A2D-2E0D-41DF-A133-A6B439CD2CFF}" type="presOf" srcId="{8908F4BE-20B6-4D1B-B694-1A8505B2A309}" destId="{DE1FE335-1929-4EEB-9BF1-88ED0E8D2BB4}" srcOrd="0" destOrd="0" presId="urn:microsoft.com/office/officeart/2005/8/layout/bProcess4"/>
     <dgm:cxn modelId="{6ED07BA1-1E6E-4403-895D-F12FEEC398D2}" type="presOf" srcId="{C30B6B97-942B-40A9-96E8-4F224729B03E}" destId="{3CE3FCD5-5D4B-4B68-A770-44DA9AF8B810}" srcOrd="0" destOrd="0" presId="urn:microsoft.com/office/officeart/2005/8/layout/bProcess4"/>
     <dgm:cxn modelId="{718EEC03-BDFB-4420-AC85-4ACC02D2BF4F}" srcId="{E6C904D6-26B6-4C42-8DC3-3F7167254542}" destId="{C374E17A-2213-405D-8EAC-6E46390D4025}" srcOrd="2" destOrd="0" parTransId="{16FF905C-740C-49AC-82CD-6AA7D84DED26}" sibTransId="{C30B6B97-942B-40A9-96E8-4F224729B03E}"/>
     <dgm:cxn modelId="{2DC771A8-7E4F-45B6-8D0F-03516F17EEEE}" type="presOf" srcId="{C374E17A-2213-405D-8EAC-6E46390D4025}" destId="{FA5FBADE-5E15-4D6D-93EF-7ED50A1CF1F8}" srcOrd="0" destOrd="0" presId="urn:microsoft.com/office/officeart/2005/8/layout/bProcess4"/>
@@ -4328,6 +4471,13 @@
         </dgm:presLayoutVars>
       </dgm:prSet>
       <dgm:spPr/>
+      <dgm:t>
+        <a:bodyPr/>
+        <a:lstStyle/>
+        <a:p>
+          <a:endParaRPr lang="en-US"/>
+        </a:p>
+      </dgm:t>
     </dgm:pt>
     <dgm:pt modelId="{E9FF437E-3FE8-448D-B6A3-7D030A04D7D7}" type="pres">
       <dgm:prSet presAssocID="{E3F5539F-8D0C-4213-9B6A-DD1C09E128C6}" presName="node" presStyleLbl="node1" presStyleIdx="0" presStyleCnt="3">
@@ -4351,6 +4501,13 @@
     <dgm:pt modelId="{EEFBF5CF-FA45-424B-9EE4-4DFD0F62EF79}" type="pres">
       <dgm:prSet presAssocID="{AC9F4260-A8DD-487D-85BD-484E5A48638C}" presName="sibTrans" presStyleLbl="sibTrans1D1" presStyleIdx="0" presStyleCnt="3"/>
       <dgm:spPr/>
+      <dgm:t>
+        <a:bodyPr/>
+        <a:lstStyle/>
+        <a:p>
+          <a:endParaRPr lang="en-US"/>
+        </a:p>
+      </dgm:t>
     </dgm:pt>
     <dgm:pt modelId="{D37D26E6-CED1-4EBB-B7D3-4D1209276FE7}" type="pres">
       <dgm:prSet presAssocID="{B7413FAD-F5EA-4688-AD97-9F53360B9EB7}" presName="node" presStyleLbl="node1" presStyleIdx="1" presStyleCnt="3">
@@ -4374,6 +4531,13 @@
     <dgm:pt modelId="{E3769DF6-F801-42EA-878F-CC68A9F04177}" type="pres">
       <dgm:prSet presAssocID="{396C8427-BB1D-457D-A00A-AE80C73ACB93}" presName="sibTrans" presStyleLbl="sibTrans1D1" presStyleIdx="1" presStyleCnt="3"/>
       <dgm:spPr/>
+      <dgm:t>
+        <a:bodyPr/>
+        <a:lstStyle/>
+        <a:p>
+          <a:endParaRPr lang="en-US"/>
+        </a:p>
+      </dgm:t>
     </dgm:pt>
     <dgm:pt modelId="{DD7E1C56-8F6F-4AE6-BC32-3CF4B8EA229A}" type="pres">
       <dgm:prSet presAssocID="{14F90283-C7BA-4C1A-80B3-DF869C5E42A9}" presName="node" presStyleLbl="node1" presStyleIdx="2" presStyleCnt="3">
@@ -4382,6 +4546,13 @@
         </dgm:presLayoutVars>
       </dgm:prSet>
       <dgm:spPr/>
+      <dgm:t>
+        <a:bodyPr/>
+        <a:lstStyle/>
+        <a:p>
+          <a:endParaRPr lang="en-US"/>
+        </a:p>
+      </dgm:t>
     </dgm:pt>
     <dgm:pt modelId="{32FE5CE4-644E-4849-80CC-D900C1DCC6A5}" type="pres">
       <dgm:prSet presAssocID="{14F90283-C7BA-4C1A-80B3-DF869C5E42A9}" presName="spNode" presStyleCnt="0"/>
@@ -4390,18 +4561,25 @@
     <dgm:pt modelId="{55E1A32F-BADA-4B62-A504-5C1CB82A2F80}" type="pres">
       <dgm:prSet presAssocID="{66156A04-B2F8-4513-B2A6-180BF3482C76}" presName="sibTrans" presStyleLbl="sibTrans1D1" presStyleIdx="2" presStyleCnt="3"/>
       <dgm:spPr/>
+      <dgm:t>
+        <a:bodyPr/>
+        <a:lstStyle/>
+        <a:p>
+          <a:endParaRPr lang="en-US"/>
+        </a:p>
+      </dgm:t>
     </dgm:pt>
   </dgm:ptLst>
   <dgm:cxnLst>
-    <dgm:cxn modelId="{4E34D54C-5899-4008-A898-3919CF73692F}" type="presOf" srcId="{14F90283-C7BA-4C1A-80B3-DF869C5E42A9}" destId="{DD7E1C56-8F6F-4AE6-BC32-3CF4B8EA229A}" srcOrd="0" destOrd="0" presId="urn:microsoft.com/office/officeart/2005/8/layout/cycle5"/>
+    <dgm:cxn modelId="{E5DA1A70-49D1-4C4F-8CA1-D287BC07B485}" type="presOf" srcId="{66156A04-B2F8-4513-B2A6-180BF3482C76}" destId="{55E1A32F-BADA-4B62-A504-5C1CB82A2F80}" srcOrd="0" destOrd="0" presId="urn:microsoft.com/office/officeart/2005/8/layout/cycle5"/>
+    <dgm:cxn modelId="{B4A82550-E9EE-4212-A433-8B2FB223B8B4}" type="presOf" srcId="{AC9F4260-A8DD-487D-85BD-484E5A48638C}" destId="{EEFBF5CF-FA45-424B-9EE4-4DFD0F62EF79}" srcOrd="0" destOrd="0" presId="urn:microsoft.com/office/officeart/2005/8/layout/cycle5"/>
+    <dgm:cxn modelId="{0A1D8494-E62C-4B28-9C9F-D9631F0AC4D4}" type="presOf" srcId="{396C8427-BB1D-457D-A00A-AE80C73ACB93}" destId="{E3769DF6-F801-42EA-878F-CC68A9F04177}" srcOrd="0" destOrd="0" presId="urn:microsoft.com/office/officeart/2005/8/layout/cycle5"/>
+    <dgm:cxn modelId="{1E255CD0-FFBC-48C0-B609-231DF46D1DF0}" type="presOf" srcId="{B7413FAD-F5EA-4688-AD97-9F53360B9EB7}" destId="{D37D26E6-CED1-4EBB-B7D3-4D1209276FE7}" srcOrd="0" destOrd="0" presId="urn:microsoft.com/office/officeart/2005/8/layout/cycle5"/>
     <dgm:cxn modelId="{BEF1D0C8-1EC6-49C5-892B-A448F7C2F159}" srcId="{BAC66AD3-969B-4316-821D-A73C9FA812CB}" destId="{E3F5539F-8D0C-4213-9B6A-DD1C09E128C6}" srcOrd="0" destOrd="0" parTransId="{42F1182D-1310-4434-935A-E6C0B23D1582}" sibTransId="{AC9F4260-A8DD-487D-85BD-484E5A48638C}"/>
     <dgm:cxn modelId="{45FBD7B8-4206-4D0E-B9FF-8D24631C3043}" srcId="{BAC66AD3-969B-4316-821D-A73C9FA812CB}" destId="{B7413FAD-F5EA-4688-AD97-9F53360B9EB7}" srcOrd="1" destOrd="0" parTransId="{58BBE820-1F12-486F-B06E-69EA963E8ACD}" sibTransId="{396C8427-BB1D-457D-A00A-AE80C73ACB93}"/>
-    <dgm:cxn modelId="{B4A82550-E9EE-4212-A433-8B2FB223B8B4}" type="presOf" srcId="{AC9F4260-A8DD-487D-85BD-484E5A48638C}" destId="{EEFBF5CF-FA45-424B-9EE4-4DFD0F62EF79}" srcOrd="0" destOrd="0" presId="urn:microsoft.com/office/officeart/2005/8/layout/cycle5"/>
+    <dgm:cxn modelId="{DC6176B8-04CC-4622-A2FC-7EE7B20609D5}" srcId="{BAC66AD3-969B-4316-821D-A73C9FA812CB}" destId="{14F90283-C7BA-4C1A-80B3-DF869C5E42A9}" srcOrd="2" destOrd="0" parTransId="{3A2B951D-E6CA-4BB3-A660-088B1D76DECE}" sibTransId="{66156A04-B2F8-4513-B2A6-180BF3482C76}"/>
     <dgm:cxn modelId="{338507DB-BA21-4D9F-9B5B-FB6D6A0537C2}" type="presOf" srcId="{E3F5539F-8D0C-4213-9B6A-DD1C09E128C6}" destId="{E9FF437E-3FE8-448D-B6A3-7D030A04D7D7}" srcOrd="0" destOrd="0" presId="urn:microsoft.com/office/officeart/2005/8/layout/cycle5"/>
-    <dgm:cxn modelId="{E5DA1A70-49D1-4C4F-8CA1-D287BC07B485}" type="presOf" srcId="{66156A04-B2F8-4513-B2A6-180BF3482C76}" destId="{55E1A32F-BADA-4B62-A504-5C1CB82A2F80}" srcOrd="0" destOrd="0" presId="urn:microsoft.com/office/officeart/2005/8/layout/cycle5"/>
-    <dgm:cxn modelId="{DC6176B8-04CC-4622-A2FC-7EE7B20609D5}" srcId="{BAC66AD3-969B-4316-821D-A73C9FA812CB}" destId="{14F90283-C7BA-4C1A-80B3-DF869C5E42A9}" srcOrd="2" destOrd="0" parTransId="{3A2B951D-E6CA-4BB3-A660-088B1D76DECE}" sibTransId="{66156A04-B2F8-4513-B2A6-180BF3482C76}"/>
-    <dgm:cxn modelId="{0A1D8494-E62C-4B28-9C9F-D9631F0AC4D4}" type="presOf" srcId="{396C8427-BB1D-457D-A00A-AE80C73ACB93}" destId="{E3769DF6-F801-42EA-878F-CC68A9F04177}" srcOrd="0" destOrd="0" presId="urn:microsoft.com/office/officeart/2005/8/layout/cycle5"/>
-    <dgm:cxn modelId="{1E255CD0-FFBC-48C0-B609-231DF46D1DF0}" type="presOf" srcId="{B7413FAD-F5EA-4688-AD97-9F53360B9EB7}" destId="{D37D26E6-CED1-4EBB-B7D3-4D1209276FE7}" srcOrd="0" destOrd="0" presId="urn:microsoft.com/office/officeart/2005/8/layout/cycle5"/>
+    <dgm:cxn modelId="{4E34D54C-5899-4008-A898-3919CF73692F}" type="presOf" srcId="{14F90283-C7BA-4C1A-80B3-DF869C5E42A9}" destId="{DD7E1C56-8F6F-4AE6-BC32-3CF4B8EA229A}" srcOrd="0" destOrd="0" presId="urn:microsoft.com/office/officeart/2005/8/layout/cycle5"/>
     <dgm:cxn modelId="{3C778215-EA3E-4E74-876A-2C5B7664E5CB}" type="presOf" srcId="{BAC66AD3-969B-4316-821D-A73C9FA812CB}" destId="{1E4DAA68-A020-4432-B1F2-3CAB5306AF28}" srcOrd="0" destOrd="0" presId="urn:microsoft.com/office/officeart/2005/8/layout/cycle5"/>
     <dgm:cxn modelId="{3A52C190-0346-4EC6-8C0D-C2E55CEEA73E}" type="presParOf" srcId="{1E4DAA68-A020-4432-B1F2-3CAB5306AF28}" destId="{E9FF437E-3FE8-448D-B6A3-7D030A04D7D7}" srcOrd="0" destOrd="0" presId="urn:microsoft.com/office/officeart/2005/8/layout/cycle5"/>
     <dgm:cxn modelId="{5FC8C60F-608E-428C-B368-D41C6F80894A}" type="presParOf" srcId="{1E4DAA68-A020-4432-B1F2-3CAB5306AF28}" destId="{51D707A9-CBEA-48BC-ADBA-186E1C1B28AA}" srcOrd="1" destOrd="0" presId="urn:microsoft.com/office/officeart/2005/8/layout/cycle5"/>
@@ -4987,6 +5165,13 @@
         </dgm:presLayoutVars>
       </dgm:prSet>
       <dgm:spPr/>
+      <dgm:t>
+        <a:bodyPr/>
+        <a:lstStyle/>
+        <a:p>
+          <a:endParaRPr lang="en-US"/>
+        </a:p>
+      </dgm:t>
     </dgm:pt>
     <dgm:pt modelId="{04ECF930-B4DA-4EB5-83B4-99F132F78E4E}" type="pres">
       <dgm:prSet presAssocID="{99C9908B-2CCB-4619-8F63-A81CE934D145}" presName="compositeNode" presStyleCnt="0">
@@ -5073,6 +5258,13 @@
     <dgm:pt modelId="{829C9DD9-6D14-413C-866D-F8E3CDF7CE9A}" type="pres">
       <dgm:prSet presAssocID="{F411F197-5C99-41F1-B05C-818A313A61EC}" presName="bgRect" presStyleLbl="node1" presStyleIdx="1" presStyleCnt="3" custScaleY="115752"/>
       <dgm:spPr/>
+      <dgm:t>
+        <a:bodyPr/>
+        <a:lstStyle/>
+        <a:p>
+          <a:endParaRPr lang="en-US"/>
+        </a:p>
+      </dgm:t>
     </dgm:pt>
     <dgm:pt modelId="{357A2533-2ACA-45F5-93A0-F55745A867D1}" type="pres">
       <dgm:prSet presAssocID="{F411F197-5C99-41F1-B05C-818A313A61EC}" presName="parentNode" presStyleLbl="node1" presStyleIdx="1" presStyleCnt="3">
@@ -5082,6 +5274,13 @@
         </dgm:presLayoutVars>
       </dgm:prSet>
       <dgm:spPr/>
+      <dgm:t>
+        <a:bodyPr/>
+        <a:lstStyle/>
+        <a:p>
+          <a:endParaRPr lang="en-US"/>
+        </a:p>
+      </dgm:t>
     </dgm:pt>
     <dgm:pt modelId="{116B6048-9526-448D-9FBD-3D57C6075330}" type="pres">
       <dgm:prSet presAssocID="{F411F197-5C99-41F1-B05C-818A313A61EC}" presName="childNode" presStyleLbl="node1" presStyleIdx="1" presStyleCnt="3">
@@ -5133,6 +5332,13 @@
     <dgm:pt modelId="{B578829D-8792-4DFC-B836-4237F4BB9B41}" type="pres">
       <dgm:prSet presAssocID="{90507208-EA00-42B6-A54D-68EAA711EFBA}" presName="bgRect" presStyleLbl="node1" presStyleIdx="2" presStyleCnt="3" custScaleY="115752"/>
       <dgm:spPr/>
+      <dgm:t>
+        <a:bodyPr/>
+        <a:lstStyle/>
+        <a:p>
+          <a:endParaRPr lang="en-US"/>
+        </a:p>
+      </dgm:t>
     </dgm:pt>
     <dgm:pt modelId="{BE21B44C-0C10-4589-A010-28A039C68F63}" type="pres">
       <dgm:prSet presAssocID="{90507208-EA00-42B6-A54D-68EAA711EFBA}" presName="parentNode" presStyleLbl="node1" presStyleIdx="2" presStyleCnt="3">
@@ -5142,6 +5348,13 @@
         </dgm:presLayoutVars>
       </dgm:prSet>
       <dgm:spPr/>
+      <dgm:t>
+        <a:bodyPr/>
+        <a:lstStyle/>
+        <a:p>
+          <a:endParaRPr lang="en-US"/>
+        </a:p>
+      </dgm:t>
     </dgm:pt>
     <dgm:pt modelId="{3732F0E2-5E3A-44F9-B082-488A3B3E6183}" type="pres">
       <dgm:prSet presAssocID="{90507208-EA00-42B6-A54D-68EAA711EFBA}" presName="childNode" presStyleLbl="node1" presStyleIdx="2" presStyleCnt="3">
@@ -18332,11 +18545,7 @@
           <a:p>
             <a:r>
               <a:rPr lang="en-US" dirty="0" smtClean="0"/>
-              <a:t>A 4 player co-op game for PC where you must survive the estate of a lon</a:t>
-            </a:r>
-            <a:r>
-              <a:rPr lang="en-US" dirty="0" smtClean="0"/>
-              <a:t>g-dead Count with only a torch and three eccentric companions. </a:t>
+              <a:t>A 4 player co-op game for PC where you must survive the estate of a long-dead Count with only a torch and three eccentric companions. </a:t>
             </a:r>
             <a:endParaRPr lang="en-US" dirty="0"/>
           </a:p>
@@ -18587,6 +18796,842 @@
           </a:extLst>
         </p:spPr>
       </p:pic>
+      <p:sp>
+        <p:nvSpPr>
+          <p:cNvPr id="7" name="Content Placeholder 2"/>
+          <p:cNvSpPr txBox="1">
+            <a:spLocks/>
+          </p:cNvSpPr>
+          <p:nvPr/>
+        </p:nvSpPr>
+        <p:spPr>
+          <a:xfrm>
+            <a:off x="9068194" y="4343400"/>
+            <a:ext cx="2667000" cy="533400"/>
+          </a:xfrm>
+          <a:prstGeom prst="rect">
+            <a:avLst/>
+          </a:prstGeom>
+        </p:spPr>
+        <p:txBody>
+          <a:bodyPr vert="horz" lIns="91440" tIns="45720" rIns="91440" bIns="45720" rtlCol="0" anchor="t">
+            <a:normAutofit fontScale="92500"/>
+          </a:bodyPr>
+          <a:lstStyle>
+            <a:lvl1pPr marL="0" indent="0" algn="l" defTabSz="914400" rtl="0" eaLnBrk="1" latinLnBrk="0" hangingPunct="1">
+              <a:lnSpc>
+                <a:spcPct val="90000"/>
+              </a:lnSpc>
+              <a:spcBef>
+                <a:spcPts val="0"/>
+              </a:spcBef>
+              <a:buFont typeface="Arial" pitchFamily="34" charset="0"/>
+              <a:buNone/>
+              <a:defRPr sz="2000" kern="1200" cap="all" spc="250" baseline="0">
+                <a:solidFill>
+                  <a:schemeClr val="bg2"/>
+                </a:solidFill>
+                <a:latin typeface="+mn-lt"/>
+                <a:ea typeface="+mn-ea"/>
+                <a:cs typeface="+mn-cs"/>
+              </a:defRPr>
+            </a:lvl1pPr>
+            <a:lvl2pPr marL="457200" indent="0" algn="l" defTabSz="914400" rtl="0" eaLnBrk="1" latinLnBrk="0" hangingPunct="1">
+              <a:lnSpc>
+                <a:spcPct val="90000"/>
+              </a:lnSpc>
+              <a:spcBef>
+                <a:spcPts val="800"/>
+              </a:spcBef>
+              <a:buFont typeface="Century" pitchFamily="18" charset="0"/>
+              <a:buNone/>
+              <a:defRPr sz="1800" kern="1200">
+                <a:solidFill>
+                  <a:schemeClr val="tx1">
+                    <a:tint val="75000"/>
+                  </a:schemeClr>
+                </a:solidFill>
+                <a:latin typeface="+mn-lt"/>
+                <a:ea typeface="+mn-ea"/>
+                <a:cs typeface="+mn-cs"/>
+              </a:defRPr>
+            </a:lvl2pPr>
+            <a:lvl3pPr marL="914400" indent="0" algn="l" defTabSz="914400" rtl="0" eaLnBrk="1" latinLnBrk="0" hangingPunct="1">
+              <a:lnSpc>
+                <a:spcPct val="90000"/>
+              </a:lnSpc>
+              <a:spcBef>
+                <a:spcPts val="600"/>
+              </a:spcBef>
+              <a:buFont typeface="Arial" pitchFamily="34" charset="0"/>
+              <a:buNone/>
+              <a:defRPr sz="1600" kern="1200">
+                <a:solidFill>
+                  <a:schemeClr val="tx1">
+                    <a:tint val="75000"/>
+                  </a:schemeClr>
+                </a:solidFill>
+                <a:latin typeface="+mn-lt"/>
+                <a:ea typeface="+mn-ea"/>
+                <a:cs typeface="+mn-cs"/>
+              </a:defRPr>
+            </a:lvl3pPr>
+            <a:lvl4pPr marL="1371600" indent="0" algn="l" defTabSz="914400" rtl="0" eaLnBrk="1" latinLnBrk="0" hangingPunct="1">
+              <a:lnSpc>
+                <a:spcPct val="90000"/>
+              </a:lnSpc>
+              <a:spcBef>
+                <a:spcPts val="600"/>
+              </a:spcBef>
+              <a:buFont typeface="Arial" pitchFamily="34" charset="0"/>
+              <a:buNone/>
+              <a:defRPr sz="1400" kern="1200">
+                <a:solidFill>
+                  <a:schemeClr val="tx1">
+                    <a:tint val="75000"/>
+                  </a:schemeClr>
+                </a:solidFill>
+                <a:latin typeface="+mn-lt"/>
+                <a:ea typeface="+mn-ea"/>
+                <a:cs typeface="+mn-cs"/>
+              </a:defRPr>
+            </a:lvl4pPr>
+            <a:lvl5pPr marL="1828800" indent="0" algn="l" defTabSz="914400" rtl="0" eaLnBrk="1" latinLnBrk="0" hangingPunct="1">
+              <a:lnSpc>
+                <a:spcPct val="90000"/>
+              </a:lnSpc>
+              <a:spcBef>
+                <a:spcPts val="600"/>
+              </a:spcBef>
+              <a:buFont typeface="Arial" pitchFamily="34" charset="0"/>
+              <a:buNone/>
+              <a:defRPr sz="1400" kern="1200">
+                <a:solidFill>
+                  <a:schemeClr val="tx1">
+                    <a:tint val="75000"/>
+                  </a:schemeClr>
+                </a:solidFill>
+                <a:latin typeface="+mn-lt"/>
+                <a:ea typeface="+mn-ea"/>
+                <a:cs typeface="+mn-cs"/>
+              </a:defRPr>
+            </a:lvl5pPr>
+            <a:lvl6pPr marL="2286000" indent="0" algn="l" defTabSz="914400" rtl="0" eaLnBrk="1" latinLnBrk="0" hangingPunct="1">
+              <a:spcBef>
+                <a:spcPts val="600"/>
+              </a:spcBef>
+              <a:buFont typeface="Arial" pitchFamily="34" charset="0"/>
+              <a:buNone/>
+              <a:defRPr sz="1400" kern="1200">
+                <a:solidFill>
+                  <a:schemeClr val="tx1">
+                    <a:tint val="75000"/>
+                  </a:schemeClr>
+                </a:solidFill>
+                <a:latin typeface="+mn-lt"/>
+                <a:ea typeface="+mn-ea"/>
+                <a:cs typeface="+mn-cs"/>
+              </a:defRPr>
+            </a:lvl6pPr>
+            <a:lvl7pPr marL="2743200" indent="0" algn="l" defTabSz="914400" rtl="0" eaLnBrk="1" latinLnBrk="0" hangingPunct="1">
+              <a:spcBef>
+                <a:spcPts val="600"/>
+              </a:spcBef>
+              <a:buFont typeface="Arial" pitchFamily="34" charset="0"/>
+              <a:buNone/>
+              <a:defRPr sz="1400" kern="1200">
+                <a:solidFill>
+                  <a:schemeClr val="tx1">
+                    <a:tint val="75000"/>
+                  </a:schemeClr>
+                </a:solidFill>
+                <a:latin typeface="+mn-lt"/>
+                <a:ea typeface="+mn-ea"/>
+                <a:cs typeface="+mn-cs"/>
+              </a:defRPr>
+            </a:lvl7pPr>
+            <a:lvl8pPr marL="3200400" indent="0" algn="l" defTabSz="914400" rtl="0" eaLnBrk="1" latinLnBrk="0" hangingPunct="1">
+              <a:spcBef>
+                <a:spcPts val="600"/>
+              </a:spcBef>
+              <a:buFont typeface="Arial" pitchFamily="34" charset="0"/>
+              <a:buNone/>
+              <a:defRPr sz="1400" kern="1200">
+                <a:solidFill>
+                  <a:schemeClr val="tx1">
+                    <a:tint val="75000"/>
+                  </a:schemeClr>
+                </a:solidFill>
+                <a:latin typeface="+mn-lt"/>
+                <a:ea typeface="+mn-ea"/>
+                <a:cs typeface="+mn-cs"/>
+              </a:defRPr>
+            </a:lvl8pPr>
+            <a:lvl9pPr marL="3657600" indent="0" algn="l" defTabSz="914400" rtl="0" eaLnBrk="1" latinLnBrk="0" hangingPunct="1">
+              <a:spcBef>
+                <a:spcPts val="600"/>
+              </a:spcBef>
+              <a:buFont typeface="Arial" pitchFamily="34" charset="0"/>
+              <a:buNone/>
+              <a:defRPr sz="1400" kern="1200">
+                <a:solidFill>
+                  <a:schemeClr val="tx1">
+                    <a:tint val="75000"/>
+                  </a:schemeClr>
+                </a:solidFill>
+                <a:latin typeface="+mn-lt"/>
+                <a:ea typeface="+mn-ea"/>
+                <a:cs typeface="+mn-cs"/>
+              </a:defRPr>
+            </a:lvl9pPr>
+          </a:lstStyle>
+          <a:p>
+            <a:pPr algn="ctr"/>
+            <a:r>
+              <a:rPr lang="en-US" dirty="0" smtClean="0">
+                <a:solidFill>
+                  <a:schemeClr val="tx1"/>
+                </a:solidFill>
+                <a:latin typeface="Baskerville Old Face" panose="02020602080505020303" pitchFamily="18" charset="0"/>
+              </a:rPr>
+              <a:t>Righteousness</a:t>
+            </a:r>
+            <a:endParaRPr lang="en-US" dirty="0" smtClean="0">
+              <a:solidFill>
+                <a:schemeClr val="tx1"/>
+              </a:solidFill>
+              <a:latin typeface="Baskerville Old Face" panose="02020602080505020303" pitchFamily="18" charset="0"/>
+            </a:endParaRPr>
+          </a:p>
+        </p:txBody>
+      </p:sp>
+      <p:sp>
+        <p:nvSpPr>
+          <p:cNvPr id="8" name="Content Placeholder 2"/>
+          <p:cNvSpPr txBox="1">
+            <a:spLocks/>
+          </p:cNvSpPr>
+          <p:nvPr/>
+        </p:nvSpPr>
+        <p:spPr>
+          <a:xfrm>
+            <a:off x="3176586" y="4343400"/>
+            <a:ext cx="2667000" cy="533400"/>
+          </a:xfrm>
+          <a:prstGeom prst="rect">
+            <a:avLst/>
+          </a:prstGeom>
+        </p:spPr>
+        <p:txBody>
+          <a:bodyPr vert="horz" lIns="91440" tIns="45720" rIns="91440" bIns="45720" rtlCol="0" anchor="t">
+            <a:normAutofit/>
+          </a:bodyPr>
+          <a:lstStyle>
+            <a:lvl1pPr marL="0" indent="0" algn="l" defTabSz="914400" rtl="0" eaLnBrk="1" latinLnBrk="0" hangingPunct="1">
+              <a:lnSpc>
+                <a:spcPct val="90000"/>
+              </a:lnSpc>
+              <a:spcBef>
+                <a:spcPts val="0"/>
+              </a:spcBef>
+              <a:buFont typeface="Arial" pitchFamily="34" charset="0"/>
+              <a:buNone/>
+              <a:defRPr sz="2000" kern="1200" cap="all" spc="250" baseline="0">
+                <a:solidFill>
+                  <a:schemeClr val="bg2"/>
+                </a:solidFill>
+                <a:latin typeface="+mn-lt"/>
+                <a:ea typeface="+mn-ea"/>
+                <a:cs typeface="+mn-cs"/>
+              </a:defRPr>
+            </a:lvl1pPr>
+            <a:lvl2pPr marL="457200" indent="0" algn="l" defTabSz="914400" rtl="0" eaLnBrk="1" latinLnBrk="0" hangingPunct="1">
+              <a:lnSpc>
+                <a:spcPct val="90000"/>
+              </a:lnSpc>
+              <a:spcBef>
+                <a:spcPts val="800"/>
+              </a:spcBef>
+              <a:buFont typeface="Century" pitchFamily="18" charset="0"/>
+              <a:buNone/>
+              <a:defRPr sz="1800" kern="1200">
+                <a:solidFill>
+                  <a:schemeClr val="tx1">
+                    <a:tint val="75000"/>
+                  </a:schemeClr>
+                </a:solidFill>
+                <a:latin typeface="+mn-lt"/>
+                <a:ea typeface="+mn-ea"/>
+                <a:cs typeface="+mn-cs"/>
+              </a:defRPr>
+            </a:lvl2pPr>
+            <a:lvl3pPr marL="914400" indent="0" algn="l" defTabSz="914400" rtl="0" eaLnBrk="1" latinLnBrk="0" hangingPunct="1">
+              <a:lnSpc>
+                <a:spcPct val="90000"/>
+              </a:lnSpc>
+              <a:spcBef>
+                <a:spcPts val="600"/>
+              </a:spcBef>
+              <a:buFont typeface="Arial" pitchFamily="34" charset="0"/>
+              <a:buNone/>
+              <a:defRPr sz="1600" kern="1200">
+                <a:solidFill>
+                  <a:schemeClr val="tx1">
+                    <a:tint val="75000"/>
+                  </a:schemeClr>
+                </a:solidFill>
+                <a:latin typeface="+mn-lt"/>
+                <a:ea typeface="+mn-ea"/>
+                <a:cs typeface="+mn-cs"/>
+              </a:defRPr>
+            </a:lvl3pPr>
+            <a:lvl4pPr marL="1371600" indent="0" algn="l" defTabSz="914400" rtl="0" eaLnBrk="1" latinLnBrk="0" hangingPunct="1">
+              <a:lnSpc>
+                <a:spcPct val="90000"/>
+              </a:lnSpc>
+              <a:spcBef>
+                <a:spcPts val="600"/>
+              </a:spcBef>
+              <a:buFont typeface="Arial" pitchFamily="34" charset="0"/>
+              <a:buNone/>
+              <a:defRPr sz="1400" kern="1200">
+                <a:solidFill>
+                  <a:schemeClr val="tx1">
+                    <a:tint val="75000"/>
+                  </a:schemeClr>
+                </a:solidFill>
+                <a:latin typeface="+mn-lt"/>
+                <a:ea typeface="+mn-ea"/>
+                <a:cs typeface="+mn-cs"/>
+              </a:defRPr>
+            </a:lvl4pPr>
+            <a:lvl5pPr marL="1828800" indent="0" algn="l" defTabSz="914400" rtl="0" eaLnBrk="1" latinLnBrk="0" hangingPunct="1">
+              <a:lnSpc>
+                <a:spcPct val="90000"/>
+              </a:lnSpc>
+              <a:spcBef>
+                <a:spcPts val="600"/>
+              </a:spcBef>
+              <a:buFont typeface="Arial" pitchFamily="34" charset="0"/>
+              <a:buNone/>
+              <a:defRPr sz="1400" kern="1200">
+                <a:solidFill>
+                  <a:schemeClr val="tx1">
+                    <a:tint val="75000"/>
+                  </a:schemeClr>
+                </a:solidFill>
+                <a:latin typeface="+mn-lt"/>
+                <a:ea typeface="+mn-ea"/>
+                <a:cs typeface="+mn-cs"/>
+              </a:defRPr>
+            </a:lvl5pPr>
+            <a:lvl6pPr marL="2286000" indent="0" algn="l" defTabSz="914400" rtl="0" eaLnBrk="1" latinLnBrk="0" hangingPunct="1">
+              <a:spcBef>
+                <a:spcPts val="600"/>
+              </a:spcBef>
+              <a:buFont typeface="Arial" pitchFamily="34" charset="0"/>
+              <a:buNone/>
+              <a:defRPr sz="1400" kern="1200">
+                <a:solidFill>
+                  <a:schemeClr val="tx1">
+                    <a:tint val="75000"/>
+                  </a:schemeClr>
+                </a:solidFill>
+                <a:latin typeface="+mn-lt"/>
+                <a:ea typeface="+mn-ea"/>
+                <a:cs typeface="+mn-cs"/>
+              </a:defRPr>
+            </a:lvl6pPr>
+            <a:lvl7pPr marL="2743200" indent="0" algn="l" defTabSz="914400" rtl="0" eaLnBrk="1" latinLnBrk="0" hangingPunct="1">
+              <a:spcBef>
+                <a:spcPts val="600"/>
+              </a:spcBef>
+              <a:buFont typeface="Arial" pitchFamily="34" charset="0"/>
+              <a:buNone/>
+              <a:defRPr sz="1400" kern="1200">
+                <a:solidFill>
+                  <a:schemeClr val="tx1">
+                    <a:tint val="75000"/>
+                  </a:schemeClr>
+                </a:solidFill>
+                <a:latin typeface="+mn-lt"/>
+                <a:ea typeface="+mn-ea"/>
+                <a:cs typeface="+mn-cs"/>
+              </a:defRPr>
+            </a:lvl7pPr>
+            <a:lvl8pPr marL="3200400" indent="0" algn="l" defTabSz="914400" rtl="0" eaLnBrk="1" latinLnBrk="0" hangingPunct="1">
+              <a:spcBef>
+                <a:spcPts val="600"/>
+              </a:spcBef>
+              <a:buFont typeface="Arial" pitchFamily="34" charset="0"/>
+              <a:buNone/>
+              <a:defRPr sz="1400" kern="1200">
+                <a:solidFill>
+                  <a:schemeClr val="tx1">
+                    <a:tint val="75000"/>
+                  </a:schemeClr>
+                </a:solidFill>
+                <a:latin typeface="+mn-lt"/>
+                <a:ea typeface="+mn-ea"/>
+                <a:cs typeface="+mn-cs"/>
+              </a:defRPr>
+            </a:lvl8pPr>
+            <a:lvl9pPr marL="3657600" indent="0" algn="l" defTabSz="914400" rtl="0" eaLnBrk="1" latinLnBrk="0" hangingPunct="1">
+              <a:spcBef>
+                <a:spcPts val="600"/>
+              </a:spcBef>
+              <a:buFont typeface="Arial" pitchFamily="34" charset="0"/>
+              <a:buNone/>
+              <a:defRPr sz="1400" kern="1200">
+                <a:solidFill>
+                  <a:schemeClr val="tx1">
+                    <a:tint val="75000"/>
+                  </a:schemeClr>
+                </a:solidFill>
+                <a:latin typeface="+mn-lt"/>
+                <a:ea typeface="+mn-ea"/>
+                <a:cs typeface="+mn-cs"/>
+              </a:defRPr>
+            </a:lvl9pPr>
+          </a:lstStyle>
+          <a:p>
+            <a:pPr algn="ctr"/>
+            <a:r>
+              <a:rPr lang="en-US" dirty="0" smtClean="0">
+                <a:solidFill>
+                  <a:schemeClr val="tx1"/>
+                </a:solidFill>
+                <a:latin typeface="Baskerville Old Face" panose="02020602080505020303" pitchFamily="18" charset="0"/>
+              </a:rPr>
+              <a:t>Redemption</a:t>
+            </a:r>
+            <a:endParaRPr lang="en-US" dirty="0" smtClean="0">
+              <a:solidFill>
+                <a:schemeClr val="tx1"/>
+              </a:solidFill>
+              <a:latin typeface="Baskerville Old Face" panose="02020602080505020303" pitchFamily="18" charset="0"/>
+            </a:endParaRPr>
+          </a:p>
+        </p:txBody>
+      </p:sp>
+      <p:sp>
+        <p:nvSpPr>
+          <p:cNvPr id="9" name="Content Placeholder 2"/>
+          <p:cNvSpPr txBox="1">
+            <a:spLocks/>
+          </p:cNvSpPr>
+          <p:nvPr/>
+        </p:nvSpPr>
+        <p:spPr>
+          <a:xfrm>
+            <a:off x="6044736" y="4343400"/>
+            <a:ext cx="2667000" cy="533400"/>
+          </a:xfrm>
+          <a:prstGeom prst="rect">
+            <a:avLst/>
+          </a:prstGeom>
+        </p:spPr>
+        <p:txBody>
+          <a:bodyPr vert="horz" lIns="91440" tIns="45720" rIns="91440" bIns="45720" rtlCol="0" anchor="t">
+            <a:normAutofit/>
+          </a:bodyPr>
+          <a:lstStyle>
+            <a:lvl1pPr marL="0" indent="0" algn="l" defTabSz="914400" rtl="0" eaLnBrk="1" latinLnBrk="0" hangingPunct="1">
+              <a:lnSpc>
+                <a:spcPct val="90000"/>
+              </a:lnSpc>
+              <a:spcBef>
+                <a:spcPts val="0"/>
+              </a:spcBef>
+              <a:buFont typeface="Arial" pitchFamily="34" charset="0"/>
+              <a:buNone/>
+              <a:defRPr sz="2000" kern="1200" cap="all" spc="250" baseline="0">
+                <a:solidFill>
+                  <a:schemeClr val="bg2"/>
+                </a:solidFill>
+                <a:latin typeface="+mn-lt"/>
+                <a:ea typeface="+mn-ea"/>
+                <a:cs typeface="+mn-cs"/>
+              </a:defRPr>
+            </a:lvl1pPr>
+            <a:lvl2pPr marL="457200" indent="0" algn="l" defTabSz="914400" rtl="0" eaLnBrk="1" latinLnBrk="0" hangingPunct="1">
+              <a:lnSpc>
+                <a:spcPct val="90000"/>
+              </a:lnSpc>
+              <a:spcBef>
+                <a:spcPts val="800"/>
+              </a:spcBef>
+              <a:buFont typeface="Century" pitchFamily="18" charset="0"/>
+              <a:buNone/>
+              <a:defRPr sz="1800" kern="1200">
+                <a:solidFill>
+                  <a:schemeClr val="tx1">
+                    <a:tint val="75000"/>
+                  </a:schemeClr>
+                </a:solidFill>
+                <a:latin typeface="+mn-lt"/>
+                <a:ea typeface="+mn-ea"/>
+                <a:cs typeface="+mn-cs"/>
+              </a:defRPr>
+            </a:lvl2pPr>
+            <a:lvl3pPr marL="914400" indent="0" algn="l" defTabSz="914400" rtl="0" eaLnBrk="1" latinLnBrk="0" hangingPunct="1">
+              <a:lnSpc>
+                <a:spcPct val="90000"/>
+              </a:lnSpc>
+              <a:spcBef>
+                <a:spcPts val="600"/>
+              </a:spcBef>
+              <a:buFont typeface="Arial" pitchFamily="34" charset="0"/>
+              <a:buNone/>
+              <a:defRPr sz="1600" kern="1200">
+                <a:solidFill>
+                  <a:schemeClr val="tx1">
+                    <a:tint val="75000"/>
+                  </a:schemeClr>
+                </a:solidFill>
+                <a:latin typeface="+mn-lt"/>
+                <a:ea typeface="+mn-ea"/>
+                <a:cs typeface="+mn-cs"/>
+              </a:defRPr>
+            </a:lvl3pPr>
+            <a:lvl4pPr marL="1371600" indent="0" algn="l" defTabSz="914400" rtl="0" eaLnBrk="1" latinLnBrk="0" hangingPunct="1">
+              <a:lnSpc>
+                <a:spcPct val="90000"/>
+              </a:lnSpc>
+              <a:spcBef>
+                <a:spcPts val="600"/>
+              </a:spcBef>
+              <a:buFont typeface="Arial" pitchFamily="34" charset="0"/>
+              <a:buNone/>
+              <a:defRPr sz="1400" kern="1200">
+                <a:solidFill>
+                  <a:schemeClr val="tx1">
+                    <a:tint val="75000"/>
+                  </a:schemeClr>
+                </a:solidFill>
+                <a:latin typeface="+mn-lt"/>
+                <a:ea typeface="+mn-ea"/>
+                <a:cs typeface="+mn-cs"/>
+              </a:defRPr>
+            </a:lvl4pPr>
+            <a:lvl5pPr marL="1828800" indent="0" algn="l" defTabSz="914400" rtl="0" eaLnBrk="1" latinLnBrk="0" hangingPunct="1">
+              <a:lnSpc>
+                <a:spcPct val="90000"/>
+              </a:lnSpc>
+              <a:spcBef>
+                <a:spcPts val="600"/>
+              </a:spcBef>
+              <a:buFont typeface="Arial" pitchFamily="34" charset="0"/>
+              <a:buNone/>
+              <a:defRPr sz="1400" kern="1200">
+                <a:solidFill>
+                  <a:schemeClr val="tx1">
+                    <a:tint val="75000"/>
+                  </a:schemeClr>
+                </a:solidFill>
+                <a:latin typeface="+mn-lt"/>
+                <a:ea typeface="+mn-ea"/>
+                <a:cs typeface="+mn-cs"/>
+              </a:defRPr>
+            </a:lvl5pPr>
+            <a:lvl6pPr marL="2286000" indent="0" algn="l" defTabSz="914400" rtl="0" eaLnBrk="1" latinLnBrk="0" hangingPunct="1">
+              <a:spcBef>
+                <a:spcPts val="600"/>
+              </a:spcBef>
+              <a:buFont typeface="Arial" pitchFamily="34" charset="0"/>
+              <a:buNone/>
+              <a:defRPr sz="1400" kern="1200">
+                <a:solidFill>
+                  <a:schemeClr val="tx1">
+                    <a:tint val="75000"/>
+                  </a:schemeClr>
+                </a:solidFill>
+                <a:latin typeface="+mn-lt"/>
+                <a:ea typeface="+mn-ea"/>
+                <a:cs typeface="+mn-cs"/>
+              </a:defRPr>
+            </a:lvl6pPr>
+            <a:lvl7pPr marL="2743200" indent="0" algn="l" defTabSz="914400" rtl="0" eaLnBrk="1" latinLnBrk="0" hangingPunct="1">
+              <a:spcBef>
+                <a:spcPts val="600"/>
+              </a:spcBef>
+              <a:buFont typeface="Arial" pitchFamily="34" charset="0"/>
+              <a:buNone/>
+              <a:defRPr sz="1400" kern="1200">
+                <a:solidFill>
+                  <a:schemeClr val="tx1">
+                    <a:tint val="75000"/>
+                  </a:schemeClr>
+                </a:solidFill>
+                <a:latin typeface="+mn-lt"/>
+                <a:ea typeface="+mn-ea"/>
+                <a:cs typeface="+mn-cs"/>
+              </a:defRPr>
+            </a:lvl7pPr>
+            <a:lvl8pPr marL="3200400" indent="0" algn="l" defTabSz="914400" rtl="0" eaLnBrk="1" latinLnBrk="0" hangingPunct="1">
+              <a:spcBef>
+                <a:spcPts val="600"/>
+              </a:spcBef>
+              <a:buFont typeface="Arial" pitchFamily="34" charset="0"/>
+              <a:buNone/>
+              <a:defRPr sz="1400" kern="1200">
+                <a:solidFill>
+                  <a:schemeClr val="tx1">
+                    <a:tint val="75000"/>
+                  </a:schemeClr>
+                </a:solidFill>
+                <a:latin typeface="+mn-lt"/>
+                <a:ea typeface="+mn-ea"/>
+                <a:cs typeface="+mn-cs"/>
+              </a:defRPr>
+            </a:lvl8pPr>
+            <a:lvl9pPr marL="3657600" indent="0" algn="l" defTabSz="914400" rtl="0" eaLnBrk="1" latinLnBrk="0" hangingPunct="1">
+              <a:spcBef>
+                <a:spcPts val="600"/>
+              </a:spcBef>
+              <a:buFont typeface="Arial" pitchFamily="34" charset="0"/>
+              <a:buNone/>
+              <a:defRPr sz="1400" kern="1200">
+                <a:solidFill>
+                  <a:schemeClr val="tx1">
+                    <a:tint val="75000"/>
+                  </a:schemeClr>
+                </a:solidFill>
+                <a:latin typeface="+mn-lt"/>
+                <a:ea typeface="+mn-ea"/>
+                <a:cs typeface="+mn-cs"/>
+              </a:defRPr>
+            </a:lvl9pPr>
+          </a:lstStyle>
+          <a:p>
+            <a:pPr algn="ctr"/>
+            <a:r>
+              <a:rPr lang="en-US" dirty="0" smtClean="0">
+                <a:solidFill>
+                  <a:schemeClr val="tx1"/>
+                </a:solidFill>
+                <a:latin typeface="Baskerville Old Face" panose="02020602080505020303" pitchFamily="18" charset="0"/>
+              </a:rPr>
+              <a:t>Revenge</a:t>
+            </a:r>
+            <a:endParaRPr lang="en-US" dirty="0" smtClean="0">
+              <a:solidFill>
+                <a:schemeClr val="tx1"/>
+              </a:solidFill>
+              <a:latin typeface="Baskerville Old Face" panose="02020602080505020303" pitchFamily="18" charset="0"/>
+            </a:endParaRPr>
+          </a:p>
+        </p:txBody>
+      </p:sp>
+      <p:sp>
+        <p:nvSpPr>
+          <p:cNvPr id="10" name="Content Placeholder 2"/>
+          <p:cNvSpPr txBox="1">
+            <a:spLocks/>
+          </p:cNvSpPr>
+          <p:nvPr/>
+        </p:nvSpPr>
+        <p:spPr>
+          <a:xfrm>
+            <a:off x="308308" y="4343400"/>
+            <a:ext cx="2667000" cy="533400"/>
+          </a:xfrm>
+          <a:prstGeom prst="rect">
+            <a:avLst/>
+          </a:prstGeom>
+        </p:spPr>
+        <p:txBody>
+          <a:bodyPr vert="horz" lIns="91440" tIns="45720" rIns="91440" bIns="45720" rtlCol="0" anchor="t">
+            <a:normAutofit/>
+          </a:bodyPr>
+          <a:lstStyle>
+            <a:lvl1pPr marL="0" indent="0" algn="l" defTabSz="914400" rtl="0" eaLnBrk="1" latinLnBrk="0" hangingPunct="1">
+              <a:lnSpc>
+                <a:spcPct val="90000"/>
+              </a:lnSpc>
+              <a:spcBef>
+                <a:spcPts val="0"/>
+              </a:spcBef>
+              <a:buFont typeface="Arial" pitchFamily="34" charset="0"/>
+              <a:buNone/>
+              <a:defRPr sz="2000" kern="1200" cap="all" spc="250" baseline="0">
+                <a:solidFill>
+                  <a:schemeClr val="bg2"/>
+                </a:solidFill>
+                <a:latin typeface="+mn-lt"/>
+                <a:ea typeface="+mn-ea"/>
+                <a:cs typeface="+mn-cs"/>
+              </a:defRPr>
+            </a:lvl1pPr>
+            <a:lvl2pPr marL="457200" indent="0" algn="l" defTabSz="914400" rtl="0" eaLnBrk="1" latinLnBrk="0" hangingPunct="1">
+              <a:lnSpc>
+                <a:spcPct val="90000"/>
+              </a:lnSpc>
+              <a:spcBef>
+                <a:spcPts val="800"/>
+              </a:spcBef>
+              <a:buFont typeface="Century" pitchFamily="18" charset="0"/>
+              <a:buNone/>
+              <a:defRPr sz="1800" kern="1200">
+                <a:solidFill>
+                  <a:schemeClr val="tx1">
+                    <a:tint val="75000"/>
+                  </a:schemeClr>
+                </a:solidFill>
+                <a:latin typeface="+mn-lt"/>
+                <a:ea typeface="+mn-ea"/>
+                <a:cs typeface="+mn-cs"/>
+              </a:defRPr>
+            </a:lvl2pPr>
+            <a:lvl3pPr marL="914400" indent="0" algn="l" defTabSz="914400" rtl="0" eaLnBrk="1" latinLnBrk="0" hangingPunct="1">
+              <a:lnSpc>
+                <a:spcPct val="90000"/>
+              </a:lnSpc>
+              <a:spcBef>
+                <a:spcPts val="600"/>
+              </a:spcBef>
+              <a:buFont typeface="Arial" pitchFamily="34" charset="0"/>
+              <a:buNone/>
+              <a:defRPr sz="1600" kern="1200">
+                <a:solidFill>
+                  <a:schemeClr val="tx1">
+                    <a:tint val="75000"/>
+                  </a:schemeClr>
+                </a:solidFill>
+                <a:latin typeface="+mn-lt"/>
+                <a:ea typeface="+mn-ea"/>
+                <a:cs typeface="+mn-cs"/>
+              </a:defRPr>
+            </a:lvl3pPr>
+            <a:lvl4pPr marL="1371600" indent="0" algn="l" defTabSz="914400" rtl="0" eaLnBrk="1" latinLnBrk="0" hangingPunct="1">
+              <a:lnSpc>
+                <a:spcPct val="90000"/>
+              </a:lnSpc>
+              <a:spcBef>
+                <a:spcPts val="600"/>
+              </a:spcBef>
+              <a:buFont typeface="Arial" pitchFamily="34" charset="0"/>
+              <a:buNone/>
+              <a:defRPr sz="1400" kern="1200">
+                <a:solidFill>
+                  <a:schemeClr val="tx1">
+                    <a:tint val="75000"/>
+                  </a:schemeClr>
+                </a:solidFill>
+                <a:latin typeface="+mn-lt"/>
+                <a:ea typeface="+mn-ea"/>
+                <a:cs typeface="+mn-cs"/>
+              </a:defRPr>
+            </a:lvl4pPr>
+            <a:lvl5pPr marL="1828800" indent="0" algn="l" defTabSz="914400" rtl="0" eaLnBrk="1" latinLnBrk="0" hangingPunct="1">
+              <a:lnSpc>
+                <a:spcPct val="90000"/>
+              </a:lnSpc>
+              <a:spcBef>
+                <a:spcPts val="600"/>
+              </a:spcBef>
+              <a:buFont typeface="Arial" pitchFamily="34" charset="0"/>
+              <a:buNone/>
+              <a:defRPr sz="1400" kern="1200">
+                <a:solidFill>
+                  <a:schemeClr val="tx1">
+                    <a:tint val="75000"/>
+                  </a:schemeClr>
+                </a:solidFill>
+                <a:latin typeface="+mn-lt"/>
+                <a:ea typeface="+mn-ea"/>
+                <a:cs typeface="+mn-cs"/>
+              </a:defRPr>
+            </a:lvl5pPr>
+            <a:lvl6pPr marL="2286000" indent="0" algn="l" defTabSz="914400" rtl="0" eaLnBrk="1" latinLnBrk="0" hangingPunct="1">
+              <a:spcBef>
+                <a:spcPts val="600"/>
+              </a:spcBef>
+              <a:buFont typeface="Arial" pitchFamily="34" charset="0"/>
+              <a:buNone/>
+              <a:defRPr sz="1400" kern="1200">
+                <a:solidFill>
+                  <a:schemeClr val="tx1">
+                    <a:tint val="75000"/>
+                  </a:schemeClr>
+                </a:solidFill>
+                <a:latin typeface="+mn-lt"/>
+                <a:ea typeface="+mn-ea"/>
+                <a:cs typeface="+mn-cs"/>
+              </a:defRPr>
+            </a:lvl6pPr>
+            <a:lvl7pPr marL="2743200" indent="0" algn="l" defTabSz="914400" rtl="0" eaLnBrk="1" latinLnBrk="0" hangingPunct="1">
+              <a:spcBef>
+                <a:spcPts val="600"/>
+              </a:spcBef>
+              <a:buFont typeface="Arial" pitchFamily="34" charset="0"/>
+              <a:buNone/>
+              <a:defRPr sz="1400" kern="1200">
+                <a:solidFill>
+                  <a:schemeClr val="tx1">
+                    <a:tint val="75000"/>
+                  </a:schemeClr>
+                </a:solidFill>
+                <a:latin typeface="+mn-lt"/>
+                <a:ea typeface="+mn-ea"/>
+                <a:cs typeface="+mn-cs"/>
+              </a:defRPr>
+            </a:lvl7pPr>
+            <a:lvl8pPr marL="3200400" indent="0" algn="l" defTabSz="914400" rtl="0" eaLnBrk="1" latinLnBrk="0" hangingPunct="1">
+              <a:spcBef>
+                <a:spcPts val="600"/>
+              </a:spcBef>
+              <a:buFont typeface="Arial" pitchFamily="34" charset="0"/>
+              <a:buNone/>
+              <a:defRPr sz="1400" kern="1200">
+                <a:solidFill>
+                  <a:schemeClr val="tx1">
+                    <a:tint val="75000"/>
+                  </a:schemeClr>
+                </a:solidFill>
+                <a:latin typeface="+mn-lt"/>
+                <a:ea typeface="+mn-ea"/>
+                <a:cs typeface="+mn-cs"/>
+              </a:defRPr>
+            </a:lvl8pPr>
+            <a:lvl9pPr marL="3657600" indent="0" algn="l" defTabSz="914400" rtl="0" eaLnBrk="1" latinLnBrk="0" hangingPunct="1">
+              <a:spcBef>
+                <a:spcPts val="600"/>
+              </a:spcBef>
+              <a:buFont typeface="Arial" pitchFamily="34" charset="0"/>
+              <a:buNone/>
+              <a:defRPr sz="1400" kern="1200">
+                <a:solidFill>
+                  <a:schemeClr val="tx1">
+                    <a:tint val="75000"/>
+                  </a:schemeClr>
+                </a:solidFill>
+                <a:latin typeface="+mn-lt"/>
+                <a:ea typeface="+mn-ea"/>
+                <a:cs typeface="+mn-cs"/>
+              </a:defRPr>
+            </a:lvl9pPr>
+          </a:lstStyle>
+          <a:p>
+            <a:pPr algn="ctr"/>
+            <a:r>
+              <a:rPr lang="en-US" dirty="0" smtClean="0">
+                <a:solidFill>
+                  <a:schemeClr val="tx1"/>
+                </a:solidFill>
+                <a:latin typeface="Baskerville Old Face" panose="02020602080505020303" pitchFamily="18" charset="0"/>
+              </a:rPr>
+              <a:t>Pride</a:t>
+            </a:r>
+            <a:endParaRPr lang="en-US" dirty="0" smtClean="0">
+              <a:solidFill>
+                <a:schemeClr val="tx1"/>
+              </a:solidFill>
+              <a:latin typeface="Baskerville Old Face" panose="02020602080505020303" pitchFamily="18" charset="0"/>
+            </a:endParaRPr>
+          </a:p>
+        </p:txBody>
+      </p:sp>
     </p:spTree>
     <p:extLst>
       <p:ext uri="{BB962C8B-B14F-4D97-AF65-F5344CB8AC3E}">
@@ -19990,6 +21035,15 @@
 </file>
 
 <file path=customXml/item1.xml><?xml version="1.0" encoding="utf-8"?>
+<?mso-contentType ?>
+<FormTemplates xmlns="http://schemas.microsoft.com/sharepoint/v3/contenttype/forms">
+  <Display>DocumentLibraryForm</Display>
+  <Edit>AssetEditForm</Edit>
+  <New>DocumentLibraryForm</New>
+</FormTemplates>
+</file>
+
+<file path=customXml/item2.xml><?xml version="1.0" encoding="utf-8"?>
 <ct:contentTypeSchema xmlns:ct="http://schemas.microsoft.com/office/2006/metadata/contentType" xmlns:ma="http://schemas.microsoft.com/office/2006/metadata/properties/metaAttributes" ct:_="" ma:_="" ma:contentTypeName="TemplateFile" ma:contentTypeID="0x0101006EDDDB5EE6D98C44930B742096920B300400F5B6D36B3EF94B4E9A635CDF2A18F5B8" ma:contentTypeVersion="72" ma:contentTypeDescription="Create a new document." ma:contentTypeScope="" ma:versionID="a23e56308344d904b51738559c3d67c9">
   <xsd:schema xmlns:xsd="http://www.w3.org/2001/XMLSchema" xmlns:xs="http://www.w3.org/2001/XMLSchema" xmlns:p="http://schemas.microsoft.com/office/2006/metadata/properties" xmlns:ns2="4873beb7-5857-4685-be1f-d57550cc96cc" targetNamespace="http://schemas.microsoft.com/office/2006/metadata/properties" ma:root="true" ma:fieldsID="cd0908cc4600e77bf5da051303e00c8d" ns2:_="">
     <xsd:import namespace="4873beb7-5857-4685-be1f-d57550cc96cc"/>
@@ -21029,15 +22083,6 @@
 </ct:contentTypeSchema>
 </file>
 
-<file path=customXml/item2.xml><?xml version="1.0" encoding="utf-8"?>
-<?mso-contentType ?>
-<FormTemplates xmlns="http://schemas.microsoft.com/sharepoint/v3/contenttype/forms">
-  <Display>DocumentLibraryForm</Display>
-  <Edit>AssetEditForm</Edit>
-  <New>DocumentLibraryForm</New>
-</FormTemplates>
-</file>
-
 <file path=customXml/item3.xml><?xml version="1.0" encoding="utf-8"?>
 <p:properties xmlns:p="http://schemas.microsoft.com/office/2006/metadata/properties" xmlns:xsi="http://www.w3.org/2001/XMLSchema-instance" xmlns:pc="http://schemas.microsoft.com/office/infopath/2007/PartnerControls">
   <documentManagement>
@@ -21165,6 +22210,14 @@
 </file>
 
 <file path=customXml/itemProps1.xml><?xml version="1.0" encoding="utf-8"?>
+<ds:datastoreItem xmlns:ds="http://schemas.openxmlformats.org/officeDocument/2006/customXml" ds:itemID="{3C20563B-C646-42AF-9D0D-76DF086793C3}">
+  <ds:schemaRefs>
+    <ds:schemaRef ds:uri="http://schemas.microsoft.com/sharepoint/v3/contenttype/forms"/>
+  </ds:schemaRefs>
+</ds:datastoreItem>
+</file>
+
+<file path=customXml/itemProps2.xml><?xml version="1.0" encoding="utf-8"?>
 <ds:datastoreItem xmlns:ds="http://schemas.openxmlformats.org/officeDocument/2006/customXml" ds:itemID="{6EB9514F-6A45-47F4-BC6D-A865E2971712}">
   <ds:schemaRefs>
     <ds:schemaRef ds:uri="http://schemas.microsoft.com/office/2006/metadata/contentType"/>
@@ -21178,14 +22231,6 @@
     <ds:schemaRef ds:uri="http://purl.org/dc/elements/1.1/"/>
     <ds:schemaRef ds:uri="http://purl.org/dc/terms/"/>
     <ds:schemaRef ds:uri="http://schemas.microsoft.com/internal/obd"/>
-  </ds:schemaRefs>
-</ds:datastoreItem>
-</file>
-
-<file path=customXml/itemProps2.xml><?xml version="1.0" encoding="utf-8"?>
-<ds:datastoreItem xmlns:ds="http://schemas.openxmlformats.org/officeDocument/2006/customXml" ds:itemID="{3C20563B-C646-42AF-9D0D-76DF086793C3}">
-  <ds:schemaRefs>
-    <ds:schemaRef ds:uri="http://schemas.microsoft.com/sharepoint/v3/contenttype/forms"/>
   </ds:schemaRefs>
 </ds:datastoreItem>
 </file>
